--- a/Lection 7.pptx
+++ b/Lection 7.pptx
@@ -132,6 +132,30 @@
 
 <file path=ppt/changesInfos/changesInfo1.xml><?xml version="1.0" encoding="utf-8"?>
 <pc:chgInfo xmlns:a="http://schemas.openxmlformats.org/drawingml/2006/main" xmlns:r="http://schemas.openxmlformats.org/officeDocument/2006/relationships" xmlns:ac="http://schemas.microsoft.com/office/drawing/2013/main/command" xmlns:pc="http://schemas.microsoft.com/office/powerpoint/2013/main/command">
+  <pc:docChgLst>
+    <pc:chgData name="Mariia Sitnikova" userId="784222be-ffb6-4517-a39d-1cae497b2905" providerId="ADAL" clId="{CC3FB8B6-A7F4-4C47-90C1-6E0C81E40BFF}"/>
+    <pc:docChg chg="custSel modSld">
+      <pc:chgData name="Mariia Sitnikova" userId="784222be-ffb6-4517-a39d-1cae497b2905" providerId="ADAL" clId="{CC3FB8B6-A7F4-4C47-90C1-6E0C81E40BFF}" dt="2022-01-13T08:59:23.076" v="1" actId="27636"/>
+      <pc:docMkLst>
+        <pc:docMk/>
+      </pc:docMkLst>
+      <pc:sldChg chg="modSp mod">
+        <pc:chgData name="Mariia Sitnikova" userId="784222be-ffb6-4517-a39d-1cae497b2905" providerId="ADAL" clId="{CC3FB8B6-A7F4-4C47-90C1-6E0C81E40BFF}" dt="2022-01-13T08:59:23.076" v="1" actId="27636"/>
+        <pc:sldMkLst>
+          <pc:docMk/>
+          <pc:sldMk cId="402162374" sldId="267"/>
+        </pc:sldMkLst>
+        <pc:spChg chg="mod">
+          <ac:chgData name="Mariia Sitnikova" userId="784222be-ffb6-4517-a39d-1cae497b2905" providerId="ADAL" clId="{CC3FB8B6-A7F4-4C47-90C1-6E0C81E40BFF}" dt="2022-01-13T08:59:23.076" v="1" actId="27636"/>
+          <ac:spMkLst>
+            <pc:docMk/>
+            <pc:sldMk cId="402162374" sldId="267"/>
+            <ac:spMk id="3" creationId="{65941139-EF1C-48C4-B9A0-35C383B1C372}"/>
+          </ac:spMkLst>
+        </pc:spChg>
+      </pc:sldChg>
+    </pc:docChg>
+  </pc:docChgLst>
   <pc:docChgLst>
     <pc:chgData name="Mariia Petrova3" userId="784222be-ffb6-4517-a39d-1cae497b2905" providerId="ADAL" clId="{CC3FB8B6-A7F4-4C47-90C1-6E0C81E40BFF}"/>
     <pc:docChg chg="custSel addSld delSld modSld">
@@ -949,7 +973,7 @@
           <a:p>
             <a:fld id="{64B7AAA8-22AE-4A71-A201-4FA6B0C500D0}" type="datetimeFigureOut">
               <a:rPr lang="en-US" smtClean="0"/>
-              <a:t>12/22/2021</a:t>
+              <a:t>1/13/2022</a:t>
             </a:fld>
             <a:endParaRPr lang="en-US"/>
           </a:p>
@@ -1147,7 +1171,7 @@
           <a:p>
             <a:fld id="{64B7AAA8-22AE-4A71-A201-4FA6B0C500D0}" type="datetimeFigureOut">
               <a:rPr lang="en-US" smtClean="0"/>
-              <a:t>12/22/2021</a:t>
+              <a:t>1/13/2022</a:t>
             </a:fld>
             <a:endParaRPr lang="en-US"/>
           </a:p>
@@ -1355,7 +1379,7 @@
           <a:p>
             <a:fld id="{64B7AAA8-22AE-4A71-A201-4FA6B0C500D0}" type="datetimeFigureOut">
               <a:rPr lang="en-US" smtClean="0"/>
-              <a:t>12/22/2021</a:t>
+              <a:t>1/13/2022</a:t>
             </a:fld>
             <a:endParaRPr lang="en-US"/>
           </a:p>
@@ -1553,7 +1577,7 @@
           <a:p>
             <a:fld id="{64B7AAA8-22AE-4A71-A201-4FA6B0C500D0}" type="datetimeFigureOut">
               <a:rPr lang="en-US" smtClean="0"/>
-              <a:t>12/22/2021</a:t>
+              <a:t>1/13/2022</a:t>
             </a:fld>
             <a:endParaRPr lang="en-US"/>
           </a:p>
@@ -1828,7 +1852,7 @@
           <a:p>
             <a:fld id="{64B7AAA8-22AE-4A71-A201-4FA6B0C500D0}" type="datetimeFigureOut">
               <a:rPr lang="en-US" smtClean="0"/>
-              <a:t>12/22/2021</a:t>
+              <a:t>1/13/2022</a:t>
             </a:fld>
             <a:endParaRPr lang="en-US"/>
           </a:p>
@@ -2093,7 +2117,7 @@
           <a:p>
             <a:fld id="{64B7AAA8-22AE-4A71-A201-4FA6B0C500D0}" type="datetimeFigureOut">
               <a:rPr lang="en-US" smtClean="0"/>
-              <a:t>12/22/2021</a:t>
+              <a:t>1/13/2022</a:t>
             </a:fld>
             <a:endParaRPr lang="en-US"/>
           </a:p>
@@ -2505,7 +2529,7 @@
           <a:p>
             <a:fld id="{64B7AAA8-22AE-4A71-A201-4FA6B0C500D0}" type="datetimeFigureOut">
               <a:rPr lang="en-US" smtClean="0"/>
-              <a:t>12/22/2021</a:t>
+              <a:t>1/13/2022</a:t>
             </a:fld>
             <a:endParaRPr lang="en-US"/>
           </a:p>
@@ -2646,7 +2670,7 @@
           <a:p>
             <a:fld id="{64B7AAA8-22AE-4A71-A201-4FA6B0C500D0}" type="datetimeFigureOut">
               <a:rPr lang="en-US" smtClean="0"/>
-              <a:t>12/22/2021</a:t>
+              <a:t>1/13/2022</a:t>
             </a:fld>
             <a:endParaRPr lang="en-US"/>
           </a:p>
@@ -2759,7 +2783,7 @@
           <a:p>
             <a:fld id="{64B7AAA8-22AE-4A71-A201-4FA6B0C500D0}" type="datetimeFigureOut">
               <a:rPr lang="en-US" smtClean="0"/>
-              <a:t>12/22/2021</a:t>
+              <a:t>1/13/2022</a:t>
             </a:fld>
             <a:endParaRPr lang="en-US"/>
           </a:p>
@@ -3070,7 +3094,7 @@
           <a:p>
             <a:fld id="{64B7AAA8-22AE-4A71-A201-4FA6B0C500D0}" type="datetimeFigureOut">
               <a:rPr lang="en-US" smtClean="0"/>
-              <a:t>12/22/2021</a:t>
+              <a:t>1/13/2022</a:t>
             </a:fld>
             <a:endParaRPr lang="en-US"/>
           </a:p>
@@ -3358,7 +3382,7 @@
           <a:p>
             <a:fld id="{64B7AAA8-22AE-4A71-A201-4FA6B0C500D0}" type="datetimeFigureOut">
               <a:rPr lang="en-US" smtClean="0"/>
-              <a:t>12/22/2021</a:t>
+              <a:t>1/13/2022</a:t>
             </a:fld>
             <a:endParaRPr lang="en-US"/>
           </a:p>
@@ -3599,7 +3623,7 @@
           <a:p>
             <a:fld id="{64B7AAA8-22AE-4A71-A201-4FA6B0C500D0}" type="datetimeFigureOut">
               <a:rPr lang="en-US" smtClean="0"/>
-              <a:t>12/22/2021</a:t>
+              <a:t>1/13/2022</a:t>
             </a:fld>
             <a:endParaRPr lang="en-US"/>
           </a:p>
@@ -5481,7 +5505,7 @@
         <p:spPr/>
         <p:txBody>
           <a:bodyPr>
-            <a:normAutofit fontScale="92500" lnSpcReduction="10000"/>
+            <a:normAutofit/>
           </a:bodyPr>
           <a:lstStyle/>
           <a:p>
@@ -5496,15 +5520,21 @@
             <a:endParaRPr lang="ru-RU" dirty="0"/>
           </a:p>
           <a:p>
+            <a:r>
+              <a:rPr lang="en-US">
+                <a:hlinkClick r:id="rId2"/>
+              </a:rPr>
+              <a:t>https</a:t>
+            </a:r>
             <a:r>
               <a:rPr lang="en-US" dirty="0">
                 <a:hlinkClick r:id="rId2"/>
               </a:rPr>
-              <a:t>https://github.com/Microsoft/sql-server-samples/releases/download/adventureworks/AdventureWorksDW2019.bak</a:t>
+              <a:t>://docs.microsoft.com/ru-ru/learn/paths/data-analytics-microsoft/</a:t>
             </a:r>
             <a:r>
               <a:rPr lang="ru-RU" dirty="0"/>
-              <a:t> (скачать и положить в папку по образцу прошлой лекции)</a:t>
+              <a:t> (2 модуля)</a:t>
             </a:r>
           </a:p>
           <a:p>
@@ -5512,7 +5542,7 @@
               <a:rPr lang="en-US" dirty="0">
                 <a:hlinkClick r:id="rId3"/>
               </a:rPr>
-              <a:t>https://docs.microsoft.com/ru-ru/learn/paths/data-analytics-microsoft/</a:t>
+              <a:t>https://docs.microsoft.com/ru-ru/learn/paths/prepare-data-power-bi/</a:t>
             </a:r>
             <a:r>
               <a:rPr lang="ru-RU" dirty="0"/>
@@ -5523,18 +5553,6 @@
             <a:r>
               <a:rPr lang="en-US" dirty="0">
                 <a:hlinkClick r:id="rId4"/>
-              </a:rPr>
-              <a:t>https://docs.microsoft.com/ru-ru/learn/paths/prepare-data-power-bi/</a:t>
-            </a:r>
-            <a:r>
-              <a:rPr lang="ru-RU" dirty="0"/>
-              <a:t> (2 модуля)</a:t>
-            </a:r>
-          </a:p>
-          <a:p>
-            <a:r>
-              <a:rPr lang="en-US" dirty="0">
-                <a:hlinkClick r:id="rId5"/>
               </a:rPr>
               <a:t>https://www.examtopics.com/exams/microsoft/da-100/view/</a:t>
             </a:r>
